--- a/유통관리(4팀).pptx
+++ b/유통관리(4팀).pptx
@@ -4137,8 +4137,8 @@
         </p:nvSpPr>
         <p:spPr>
           <a:xfrm>
-            <a:off x="4082504" y="512438"/>
-            <a:ext cx="4016443" cy="538589"/>
+            <a:off x="3955066" y="512438"/>
+            <a:ext cx="4271320" cy="538589"/>
           </a:xfrm>
           <a:prstGeom prst="rect">
             <a:avLst/>
@@ -4182,7 +4182,7 @@
                 <a:latin typeface="Montserrat"/>
                 <a:cs typeface="Montserrat"/>
               </a:rPr>
-              <a:t>CHOOSE ON POJECT</a:t>
+              <a:t>CHOOSE ON PROJECT</a:t>
             </a:r>
           </a:p>
         </p:txBody>
@@ -5334,8 +5334,8 @@
         </p:nvSpPr>
         <p:spPr>
           <a:xfrm>
-            <a:off x="3953464" y="473967"/>
-            <a:ext cx="4274526" cy="615533"/>
+            <a:off x="3826827" y="473967"/>
+            <a:ext cx="4527800" cy="615533"/>
           </a:xfrm>
           <a:prstGeom prst="rect">
             <a:avLst/>
@@ -5403,7 +5403,7 @@
                 <a:latin typeface="Montserrat"/>
                 <a:cs typeface="Montserrat"/>
               </a:rPr>
-              <a:t> PROJEC</a:t>
+              <a:t> PROJECT</a:t>
             </a:r>
           </a:p>
         </p:txBody>
@@ -5857,8 +5857,8 @@
         </p:nvSpPr>
         <p:spPr>
           <a:xfrm>
-            <a:off x="3953464" y="473967"/>
-            <a:ext cx="4274526" cy="615533"/>
+            <a:off x="3826827" y="473967"/>
+            <a:ext cx="4527800" cy="615533"/>
           </a:xfrm>
           <a:prstGeom prst="rect">
             <a:avLst/>
@@ -5926,7 +5926,7 @@
                 <a:latin typeface="Montserrat"/>
                 <a:cs typeface="Montserrat"/>
               </a:rPr>
-              <a:t> PROJEC</a:t>
+              <a:t> PROJECT</a:t>
             </a:r>
           </a:p>
         </p:txBody>
@@ -6202,7 +6202,7 @@
             <a:effectLst/>
             <a:extLst>
               <a:ext uri="{C572A759-6A51-4108-AA02-DFA0A04FC94B}">
-                <ma14:wrappingTextBoxFlag xmlns="" xmlns:ma14="http://schemas.microsoft.com/office/mac/drawingml/2011/main" val="1"/>
+                <ma14:wrappingTextBoxFlag xmlns:ma14="http://schemas.microsoft.com/office/mac/drawingml/2011/main" xmlns="" val="1"/>
               </a:ext>
             </a:extLst>
           </p:spPr>
@@ -6277,7 +6277,7 @@
             <a:effectLst/>
             <a:extLst>
               <a:ext uri="{C572A759-6A51-4108-AA02-DFA0A04FC94B}">
-                <ma14:wrappingTextBoxFlag xmlns="" xmlns:ma14="http://schemas.microsoft.com/office/mac/drawingml/2011/main" val="1"/>
+                <ma14:wrappingTextBoxFlag xmlns:ma14="http://schemas.microsoft.com/office/mac/drawingml/2011/main" xmlns="" val="1"/>
               </a:ext>
             </a:extLst>
           </p:spPr>
@@ -6352,7 +6352,7 @@
             <a:effectLst/>
             <a:extLst>
               <a:ext uri="{C572A759-6A51-4108-AA02-DFA0A04FC94B}">
-                <ma14:wrappingTextBoxFlag xmlns="" xmlns:ma14="http://schemas.microsoft.com/office/mac/drawingml/2011/main" val="1"/>
+                <ma14:wrappingTextBoxFlag xmlns:ma14="http://schemas.microsoft.com/office/mac/drawingml/2011/main" xmlns="" val="1"/>
               </a:ext>
             </a:extLst>
           </p:spPr>
@@ -6427,7 +6427,7 @@
             <a:effectLst/>
             <a:extLst>
               <a:ext uri="{C572A759-6A51-4108-AA02-DFA0A04FC94B}">
-                <ma14:wrappingTextBoxFlag xmlns="" xmlns:ma14="http://schemas.microsoft.com/office/mac/drawingml/2011/main" val="1"/>
+                <ma14:wrappingTextBoxFlag xmlns:ma14="http://schemas.microsoft.com/office/mac/drawingml/2011/main" xmlns="" val="1"/>
               </a:ext>
             </a:extLst>
           </p:spPr>
@@ -6502,7 +6502,7 @@
             <a:effectLst/>
             <a:extLst>
               <a:ext uri="{C572A759-6A51-4108-AA02-DFA0A04FC94B}">
-                <ma14:wrappingTextBoxFlag xmlns="" xmlns:ma14="http://schemas.microsoft.com/office/mac/drawingml/2011/main" val="1"/>
+                <ma14:wrappingTextBoxFlag xmlns:ma14="http://schemas.microsoft.com/office/mac/drawingml/2011/main" xmlns="" val="1"/>
               </a:ext>
             </a:extLst>
           </p:spPr>
@@ -6579,7 +6579,7 @@
             <a:effectLst/>
             <a:extLst>
               <a:ext uri="{C572A759-6A51-4108-AA02-DFA0A04FC94B}">
-                <ma14:wrappingTextBoxFlag xmlns="" xmlns:ma14="http://schemas.microsoft.com/office/mac/drawingml/2011/main" val="1"/>
+                <ma14:wrappingTextBoxFlag xmlns:ma14="http://schemas.microsoft.com/office/mac/drawingml/2011/main" xmlns="" val="1"/>
               </a:ext>
             </a:extLst>
           </p:spPr>
@@ -6657,7 +6657,7 @@
           <a:effectLst/>
           <a:extLst>
             <a:ext uri="{C572A759-6A51-4108-AA02-DFA0A04FC94B}">
-              <ma14:wrappingTextBoxFlag xmlns="" xmlns:ma14="http://schemas.microsoft.com/office/mac/drawingml/2011/main" val="1"/>
+              <ma14:wrappingTextBoxFlag xmlns:ma14="http://schemas.microsoft.com/office/mac/drawingml/2011/main" xmlns="" val="1"/>
             </a:ext>
           </a:extLst>
         </p:spPr>
@@ -6721,7 +6721,7 @@
           <a:effectLst/>
           <a:extLst>
             <a:ext uri="{C572A759-6A51-4108-AA02-DFA0A04FC94B}">
-              <ma14:wrappingTextBoxFlag xmlns="" xmlns:ma14="http://schemas.microsoft.com/office/mac/drawingml/2011/main" val="1"/>
+              <ma14:wrappingTextBoxFlag xmlns:ma14="http://schemas.microsoft.com/office/mac/drawingml/2011/main" xmlns="" val="1"/>
             </a:ext>
           </a:extLst>
         </p:spPr>
@@ -6802,7 +6802,7 @@
           <a:effectLst/>
           <a:extLst>
             <a:ext uri="{C572A759-6A51-4108-AA02-DFA0A04FC94B}">
-              <ma14:wrappingTextBoxFlag xmlns="" xmlns:ma14="http://schemas.microsoft.com/office/mac/drawingml/2011/main" val="1"/>
+              <ma14:wrappingTextBoxFlag xmlns:ma14="http://schemas.microsoft.com/office/mac/drawingml/2011/main" xmlns="" val="1"/>
             </a:ext>
           </a:extLst>
         </p:spPr>
@@ -7082,7 +7082,7 @@
           <a:effectLst/>
           <a:extLst>
             <a:ext uri="{C572A759-6A51-4108-AA02-DFA0A04FC94B}">
-              <ma14:wrappingTextBoxFlag xmlns="" xmlns:ma14="http://schemas.microsoft.com/office/mac/drawingml/2011/main" val="1"/>
+              <ma14:wrappingTextBoxFlag xmlns:ma14="http://schemas.microsoft.com/office/mac/drawingml/2011/main" xmlns="" val="1"/>
             </a:ext>
           </a:extLst>
         </p:spPr>
@@ -7576,7 +7576,7 @@
           <a:effectLst/>
           <a:extLst>
             <a:ext uri="{C572A759-6A51-4108-AA02-DFA0A04FC94B}">
-              <ma14:wrappingTextBoxFlag xmlns="" xmlns:ma14="http://schemas.microsoft.com/office/mac/drawingml/2011/main" val="1"/>
+              <ma14:wrappingTextBoxFlag xmlns:ma14="http://schemas.microsoft.com/office/mac/drawingml/2011/main" xmlns="" val="1"/>
             </a:ext>
           </a:extLst>
         </p:spPr>
@@ -8058,7 +8058,7 @@
           <a:effectLst/>
           <a:extLst>
             <a:ext uri="{C572A759-6A51-4108-AA02-DFA0A04FC94B}">
-              <ma14:wrappingTextBoxFlag xmlns="" xmlns:ma14="http://schemas.microsoft.com/office/mac/drawingml/2011/main" val="1"/>
+              <ma14:wrappingTextBoxFlag xmlns:ma14="http://schemas.microsoft.com/office/mac/drawingml/2011/main" xmlns="" val="1"/>
             </a:ext>
           </a:extLst>
         </p:spPr>
